--- a/Paskaitos/LIKTA_AI_4th_Webinar_Introduction_to_AI_Lithuanian.pptx
+++ b/Paskaitos/LIKTA_AI_4th_Webinar_Introduction_to_AI_Lithuanian.pptx
@@ -1045,47 +1045,7 @@
             </a:r>
             <a:r>
               <a:rPr lang="en-US" dirty="0"/>
-              <a:t> (</a:t>
-            </a:r>
-            <a:r>
-              <a:rPr lang="en-US" dirty="0" err="1"/>
-              <a:t>parodyti</a:t>
-            </a:r>
-            <a:r>
-              <a:rPr lang="en-US" dirty="0"/>
-              <a:t> </a:t>
-            </a:r>
-            <a:r>
-              <a:rPr lang="en-US" dirty="0" err="1"/>
-              <a:t>kur</a:t>
-            </a:r>
-            <a:r>
-              <a:rPr lang="en-US" dirty="0"/>
-              <a:t> </a:t>
-            </a:r>
-            <a:r>
-              <a:rPr lang="en-US" dirty="0" err="1"/>
-              <a:t>gali</a:t>
-            </a:r>
-            <a:r>
-              <a:rPr lang="en-US" dirty="0"/>
-              <a:t> </a:t>
-            </a:r>
-            <a:r>
-              <a:rPr lang="en-US" dirty="0" err="1"/>
-              <a:t>išlaikyti</a:t>
-            </a:r>
-            <a:r>
-              <a:rPr lang="en-US" dirty="0"/>
-              <a:t> </a:t>
-            </a:r>
-            <a:r>
-              <a:rPr lang="en-US" dirty="0" err="1"/>
-              <a:t>serifikatą</a:t>
-            </a:r>
-            <a:r>
-              <a:rPr lang="en-US" dirty="0"/>
-              <a:t>)</a:t>
+              <a:t> ()</a:t>
             </a:r>
             <a:endParaRPr lang="en-LV" dirty="0"/>
           </a:p>
@@ -2156,7 +2116,7 @@
               <a:t>galbut</a:t>
             </a:r>
             <a:r>
-              <a:rPr lang="lt-LT"/>
+              <a:rPr lang="lt-LT" dirty="0"/>
               <a:t> toliau </a:t>
             </a:r>
             <a:r>
@@ -16449,7 +16409,7 @@
                 </a:solidFill>
                 <a:latin typeface="+mj-lt"/>
               </a:rPr>
-              <a:t>Micosof</a:t>
+              <a:t>Micosoft</a:t>
             </a:r>
             <a:r>
               <a:rPr lang="en-GB" dirty="0">
@@ -16561,24 +16521,14 @@
               <a:buChar char="•"/>
             </a:pPr>
             <a:r>
-              <a:rPr lang="en-GB" b="0" i="0">
+              <a:rPr lang="en-GB" b="0" i="0" dirty="0">
                 <a:solidFill>
                   <a:schemeClr val="bg1"/>
                 </a:solidFill>
                 <a:effectLst/>
                 <a:latin typeface="+mj-lt"/>
               </a:rPr>
-              <a:t>Envision </a:t>
-            </a:r>
-            <a:r>
-              <a:rPr lang="en-GB" b="0" i="0" dirty="0">
-                <a:solidFill>
-                  <a:schemeClr val="bg1"/>
-                </a:solidFill>
-                <a:effectLst/>
-                <a:latin typeface="+mj-lt"/>
-              </a:rPr>
-              <a:t>a future of seamless information access, efficient problem-solving, and unprecedented innovation driven by AI.</a:t>
+              <a:t>Envision a future of seamless information access, efficient problem-solving, and unprecedented innovation driven by AI.</a:t>
             </a:r>
           </a:p>
         </p:txBody>
